--- a/assets/slides/05-Reinforcement-Learning-part-2.pptx
+++ b/assets/slides/05-Reinforcement-Learning-part-2.pptx
@@ -5712,12 +5712,43 @@
               </a:rPr>
               <a:t>https://www.votespa.com/Voting-in-PA/pages/drop-box.aspx</a:t>
             </a:r>
+            <a:endParaRPr lang="en-US" sz="1800" dirty="0"/>
+          </a:p>
+          <a:p>
+            <a:r>
+              <a:rPr lang="en-US" sz="1800" dirty="0"/>
+              <a:t>Today is the last day to vote early! </a:t>
+            </a:r>
+            <a:r>
+              <a:rPr lang="en-US" sz="1800" dirty="0">
+                <a:hlinkClick r:id="rId5"/>
+              </a:rPr>
+              <a:t>https://</a:t>
+            </a:r>
+            <a:r>
+              <a:rPr lang="en-US" sz="1800" dirty="0" err="1">
+                <a:hlinkClick r:id="rId5"/>
+              </a:rPr>
+              <a:t>www.votespa.com</a:t>
+            </a:r>
+            <a:r>
+              <a:rPr lang="en-US" sz="1800" dirty="0">
+                <a:hlinkClick r:id="rId5"/>
+              </a:rPr>
+              <a:t>/Voting-in-PA/Pages/Early-</a:t>
+            </a:r>
+            <a:r>
+              <a:rPr lang="en-US" sz="1800" dirty="0" err="1">
+                <a:hlinkClick r:id="rId5"/>
+              </a:rPr>
+              <a:t>Voting.aspx</a:t>
+            </a:r>
             <a:endParaRPr lang="en-US" sz="2300" dirty="0"/>
           </a:p>
           <a:p>
             <a:r>
               <a:rPr lang="en-US" sz="2300" dirty="0"/>
-              <a:t>The extra credit for voting / civic engagement is now available (due before 8pm on election day).   If you’re a foreign student, you have two options for getting EC: </a:t>
+              <a:t>The extra credit for voting / civic engagement is now available (due before 8pm on election day).   If you’re a foreign student, you have two options:</a:t>
             </a:r>
             <a:br>
               <a:rPr lang="en-US" sz="2300" dirty="0"/>
@@ -5728,7 +5759,7 @@
             </a:r>
             <a:r>
               <a:rPr lang="en-US" sz="2300" dirty="0">
-                <a:hlinkClick r:id="rId5"/>
+                <a:hlinkClick r:id="rId6"/>
               </a:rPr>
               <a:t>Visit Independence Hall in Philadelphia</a:t>
             </a:r>
@@ -5741,7 +5772,7 @@
             </a:r>
             <a:r>
               <a:rPr lang="en-US" sz="2300" dirty="0">
-                <a:hlinkClick r:id="rId6"/>
+                <a:hlinkClick r:id="rId7"/>
               </a:rPr>
               <a:t>Watch a documentary about the history of voting in the USA</a:t>
             </a:r>
@@ -5763,7 +5794,7 @@
             </a:r>
             <a:r>
               <a:rPr lang="en-US" sz="2300" dirty="0">
-                <a:hlinkClick r:id="rId7"/>
+                <a:hlinkClick r:id="rId8"/>
               </a:rPr>
               <a:t>opt in to having a partner on future HWs</a:t>
             </a:r>
@@ -11120,7 +11151,7 @@
           <a:graphicData uri="http://schemas.openxmlformats.org/presentationml/2006/ole">
             <mc:AlternateContent xmlns:mc="http://schemas.openxmlformats.org/markup-compatibility/2006">
               <mc:Choice xmlns:v="urn:schemas-microsoft-com:vml" Requires="v">
-                <p:oleObj spid="_x0000_s1066" name="Photo Editor Photo" r:id="rId11" imgW="4762913" imgH="4046571" progId="MSPhotoEd.3">
+                <p:oleObj spid="_x0000_s1069" name="Photo Editor Photo" r:id="rId11" imgW="4762913" imgH="4046571" progId="MSPhotoEd.3">
                   <p:embed/>
                 </p:oleObj>
               </mc:Choice>

--- a/assets/slides/05-Reinforcement-Learning-part-2.pptx
+++ b/assets/slides/05-Reinforcement-Learning-part-2.pptx
@@ -5,10 +5,10 @@
     <p:sldMasterId id="2147483745" r:id="rId1"/>
   </p:sldMasterIdLst>
   <p:notesMasterIdLst>
-    <p:notesMasterId r:id="rId18"/>
+    <p:notesMasterId r:id="rId19"/>
   </p:notesMasterIdLst>
   <p:handoutMasterIdLst>
-    <p:handoutMasterId r:id="rId19"/>
+    <p:handoutMasterId r:id="rId20"/>
   </p:handoutMasterIdLst>
   <p:sldIdLst>
     <p:sldId id="1185" r:id="rId2"/>
@@ -27,11 +27,12 @@
     <p:sldId id="856" r:id="rId15"/>
     <p:sldId id="778" r:id="rId16"/>
     <p:sldId id="779" r:id="rId17"/>
+    <p:sldId id="261" r:id="rId18"/>
   </p:sldIdLst>
   <p:sldSz cx="12192000" cy="6858000"/>
   <p:notesSz cx="7099300" cy="10234613"/>
   <p:custDataLst>
-    <p:tags r:id="rId20"/>
+    <p:tags r:id="rId21"/>
   </p:custDataLst>
   <p:defaultTextStyle>
     <a:defPPr>
@@ -2887,6 +2888,962 @@
 </p:sldLayout>
 </file>
 
+<file path=ppt/slideLayouts/slideLayout12.xml><?xml version="1.0" encoding="utf-8"?>
+<p:sldLayout xmlns:a="http://schemas.openxmlformats.org/drawingml/2006/main" xmlns:r="http://schemas.openxmlformats.org/officeDocument/2006/relationships" xmlns:p="http://schemas.openxmlformats.org/presentationml/2006/main" matchingName="2_Title and Content" userDrawn="1">
+  <p:cSld name="2_Title and Content">
+    <p:spTree>
+      <p:nvGrpSpPr>
+        <p:cNvPr id="1" name="Shape 35"/>
+        <p:cNvGrpSpPr/>
+        <p:nvPr/>
+      </p:nvGrpSpPr>
+      <p:grpSpPr>
+        <a:xfrm>
+          <a:off x="0" y="0"/>
+          <a:ext cx="0" cy="0"/>
+          <a:chOff x="0" y="0"/>
+          <a:chExt cx="0" cy="0"/>
+        </a:xfrm>
+      </p:grpSpPr>
+      <p:sp>
+        <p:nvSpPr>
+          <p:cNvPr id="37" name="Google Shape;37;p14"/>
+          <p:cNvSpPr txBox="1">
+            <a:spLocks noGrp="1"/>
+          </p:cNvSpPr>
+          <p:nvPr>
+            <p:ph type="body" idx="1"/>
+          </p:nvPr>
+        </p:nvSpPr>
+        <p:spPr>
+          <a:xfrm>
+            <a:off x="399684" y="1416050"/>
+            <a:ext cx="4823751" cy="4106863"/>
+          </a:xfrm>
+          <a:prstGeom prst="rect">
+            <a:avLst/>
+          </a:prstGeom>
+          <a:noFill/>
+          <a:ln>
+            <a:noFill/>
+          </a:ln>
+        </p:spPr>
+        <p:txBody>
+          <a:bodyPr spcFirstLastPara="1" wrap="square" lIns="91425" tIns="45700" rIns="91425" bIns="45700" anchor="t" anchorCtr="0">
+            <a:normAutofit/>
+          </a:bodyPr>
+          <a:lstStyle>
+            <a:lvl1pPr marL="457200" lvl="0" indent="-355600" algn="l">
+              <a:lnSpc>
+                <a:spcPct val="90000"/>
+              </a:lnSpc>
+              <a:spcBef>
+                <a:spcPts val="1000"/>
+              </a:spcBef>
+              <a:spcAft>
+                <a:spcPts val="0"/>
+              </a:spcAft>
+              <a:buClr>
+                <a:schemeClr val="dk1"/>
+              </a:buClr>
+              <a:buSzPts val="2000"/>
+              <a:buFont typeface="Courier New"/>
+              <a:buChar char="o"/>
+              <a:defRPr sz="2000">
+                <a:latin typeface="Open Sans"/>
+                <a:ea typeface="Open Sans"/>
+                <a:cs typeface="Open Sans"/>
+                <a:sym typeface="Open Sans"/>
+              </a:defRPr>
+            </a:lvl1pPr>
+            <a:lvl2pPr marL="914400" lvl="1" indent="-355600" algn="l">
+              <a:lnSpc>
+                <a:spcPct val="90000"/>
+              </a:lnSpc>
+              <a:spcBef>
+                <a:spcPts val="500"/>
+              </a:spcBef>
+              <a:spcAft>
+                <a:spcPts val="0"/>
+              </a:spcAft>
+              <a:buClr>
+                <a:schemeClr val="dk1"/>
+              </a:buClr>
+              <a:buSzPts val="2000"/>
+              <a:buFont typeface="Noto Sans Symbols"/>
+              <a:buChar char="▪"/>
+              <a:defRPr sz="2000">
+                <a:latin typeface="Open Sans"/>
+                <a:ea typeface="Open Sans"/>
+                <a:cs typeface="Open Sans"/>
+                <a:sym typeface="Open Sans"/>
+              </a:defRPr>
+            </a:lvl2pPr>
+            <a:lvl3pPr marL="1371600" lvl="2" indent="-342900" algn="l">
+              <a:lnSpc>
+                <a:spcPct val="90000"/>
+              </a:lnSpc>
+              <a:spcBef>
+                <a:spcPts val="500"/>
+              </a:spcBef>
+              <a:spcAft>
+                <a:spcPts val="0"/>
+              </a:spcAft>
+              <a:buClr>
+                <a:schemeClr val="dk1"/>
+              </a:buClr>
+              <a:buSzPts val="1800"/>
+              <a:buChar char="•"/>
+              <a:defRPr/>
+            </a:lvl3pPr>
+            <a:lvl4pPr marL="1828800" lvl="3" indent="-342900" algn="l">
+              <a:lnSpc>
+                <a:spcPct val="90000"/>
+              </a:lnSpc>
+              <a:spcBef>
+                <a:spcPts val="500"/>
+              </a:spcBef>
+              <a:spcAft>
+                <a:spcPts val="0"/>
+              </a:spcAft>
+              <a:buClr>
+                <a:schemeClr val="dk1"/>
+              </a:buClr>
+              <a:buSzPts val="1800"/>
+              <a:buChar char="o"/>
+              <a:defRPr/>
+            </a:lvl4pPr>
+            <a:lvl5pPr marL="2286000" lvl="4" indent="-342900" algn="l">
+              <a:lnSpc>
+                <a:spcPct val="90000"/>
+              </a:lnSpc>
+              <a:spcBef>
+                <a:spcPts val="500"/>
+              </a:spcBef>
+              <a:spcAft>
+                <a:spcPts val="0"/>
+              </a:spcAft>
+              <a:buClr>
+                <a:schemeClr val="dk1"/>
+              </a:buClr>
+              <a:buSzPts val="1800"/>
+              <a:buChar char="▪"/>
+              <a:defRPr/>
+            </a:lvl5pPr>
+            <a:lvl6pPr marL="2743200" lvl="5" indent="-342900" algn="l">
+              <a:lnSpc>
+                <a:spcPct val="90000"/>
+              </a:lnSpc>
+              <a:spcBef>
+                <a:spcPts val="500"/>
+              </a:spcBef>
+              <a:spcAft>
+                <a:spcPts val="0"/>
+              </a:spcAft>
+              <a:buClr>
+                <a:schemeClr val="dk1"/>
+              </a:buClr>
+              <a:buSzPts val="1800"/>
+              <a:buChar char="•"/>
+              <a:defRPr/>
+            </a:lvl6pPr>
+            <a:lvl7pPr marL="3200400" lvl="6" indent="-342900" algn="l">
+              <a:lnSpc>
+                <a:spcPct val="90000"/>
+              </a:lnSpc>
+              <a:spcBef>
+                <a:spcPts val="500"/>
+              </a:spcBef>
+              <a:spcAft>
+                <a:spcPts val="0"/>
+              </a:spcAft>
+              <a:buClr>
+                <a:schemeClr val="dk1"/>
+              </a:buClr>
+              <a:buSzPts val="1800"/>
+              <a:buChar char="•"/>
+              <a:defRPr/>
+            </a:lvl7pPr>
+            <a:lvl8pPr marL="3657600" lvl="7" indent="-342900" algn="l">
+              <a:lnSpc>
+                <a:spcPct val="90000"/>
+              </a:lnSpc>
+              <a:spcBef>
+                <a:spcPts val="500"/>
+              </a:spcBef>
+              <a:spcAft>
+                <a:spcPts val="0"/>
+              </a:spcAft>
+              <a:buClr>
+                <a:schemeClr val="dk1"/>
+              </a:buClr>
+              <a:buSzPts val="1800"/>
+              <a:buChar char="•"/>
+              <a:defRPr/>
+            </a:lvl8pPr>
+            <a:lvl9pPr marL="4114800" lvl="8" indent="-342900" algn="l">
+              <a:lnSpc>
+                <a:spcPct val="90000"/>
+              </a:lnSpc>
+              <a:spcBef>
+                <a:spcPts val="500"/>
+              </a:spcBef>
+              <a:spcAft>
+                <a:spcPts val="0"/>
+              </a:spcAft>
+              <a:buClr>
+                <a:schemeClr val="dk1"/>
+              </a:buClr>
+              <a:buSzPts val="1800"/>
+              <a:buChar char="•"/>
+              <a:defRPr/>
+            </a:lvl9pPr>
+          </a:lstStyle>
+          <a:p>
+            <a:endParaRPr dirty="0"/>
+          </a:p>
+        </p:txBody>
+      </p:sp>
+      <p:sp>
+        <p:nvSpPr>
+          <p:cNvPr id="40" name="Google Shape;40;p14"/>
+          <p:cNvSpPr>
+            <a:spLocks noGrp="1"/>
+          </p:cNvSpPr>
+          <p:nvPr>
+            <p:ph type="pic" idx="3"/>
+          </p:nvPr>
+        </p:nvSpPr>
+        <p:spPr>
+          <a:xfrm>
+            <a:off x="5629275" y="1416050"/>
+            <a:ext cx="5373688" cy="4106863"/>
+          </a:xfrm>
+          <a:prstGeom prst="rect">
+            <a:avLst/>
+          </a:prstGeom>
+          <a:noFill/>
+          <a:ln>
+            <a:noFill/>
+          </a:ln>
+        </p:spPr>
+        <p:txBody>
+          <a:bodyPr spcFirstLastPara="1" wrap="square" lIns="91425" tIns="45700" rIns="91425" bIns="45700" anchor="t" anchorCtr="0">
+            <a:normAutofit/>
+          </a:bodyPr>
+          <a:lstStyle>
+            <a:lvl1pPr marR="0" lvl="0" algn="l" rtl="0">
+              <a:lnSpc>
+                <a:spcPct val="90000"/>
+              </a:lnSpc>
+              <a:spcBef>
+                <a:spcPts val="1000"/>
+              </a:spcBef>
+              <a:spcAft>
+                <a:spcPts val="0"/>
+              </a:spcAft>
+              <a:buClr>
+                <a:schemeClr val="dk1"/>
+              </a:buClr>
+              <a:buSzPts val="2800"/>
+              <a:buFont typeface="Courier New"/>
+              <a:buChar char="o"/>
+              <a:defRPr sz="2800" b="0" i="0" u="none" strike="noStrike" cap="none">
+                <a:solidFill>
+                  <a:schemeClr val="dk1"/>
+                </a:solidFill>
+                <a:latin typeface="Open Sans"/>
+                <a:ea typeface="Open Sans"/>
+                <a:cs typeface="Open Sans"/>
+                <a:sym typeface="Open Sans"/>
+              </a:defRPr>
+            </a:lvl1pPr>
+            <a:lvl2pPr marR="0" lvl="1" algn="l" rtl="0">
+              <a:lnSpc>
+                <a:spcPct val="90000"/>
+              </a:lnSpc>
+              <a:spcBef>
+                <a:spcPts val="500"/>
+              </a:spcBef>
+              <a:spcAft>
+                <a:spcPts val="0"/>
+              </a:spcAft>
+              <a:buClr>
+                <a:schemeClr val="dk1"/>
+              </a:buClr>
+              <a:buSzPts val="2400"/>
+              <a:buFont typeface="Noto Sans Symbols"/>
+              <a:buChar char="▪"/>
+              <a:defRPr sz="2400" b="0" i="0" u="none" strike="noStrike" cap="none">
+                <a:solidFill>
+                  <a:schemeClr val="dk1"/>
+                </a:solidFill>
+                <a:latin typeface="Open Sans"/>
+                <a:ea typeface="Open Sans"/>
+                <a:cs typeface="Open Sans"/>
+                <a:sym typeface="Open Sans"/>
+              </a:defRPr>
+            </a:lvl2pPr>
+            <a:lvl3pPr marR="0" lvl="2" algn="l" rtl="0">
+              <a:lnSpc>
+                <a:spcPct val="90000"/>
+              </a:lnSpc>
+              <a:spcBef>
+                <a:spcPts val="500"/>
+              </a:spcBef>
+              <a:spcAft>
+                <a:spcPts val="0"/>
+              </a:spcAft>
+              <a:buClr>
+                <a:schemeClr val="dk1"/>
+              </a:buClr>
+              <a:buSzPts val="2000"/>
+              <a:buFont typeface="Arial"/>
+              <a:buChar char="•"/>
+              <a:defRPr sz="2000" b="0" i="0" u="none" strike="noStrike" cap="none">
+                <a:solidFill>
+                  <a:schemeClr val="dk1"/>
+                </a:solidFill>
+                <a:latin typeface="Open Sans"/>
+                <a:ea typeface="Open Sans"/>
+                <a:cs typeface="Open Sans"/>
+                <a:sym typeface="Open Sans"/>
+              </a:defRPr>
+            </a:lvl3pPr>
+            <a:lvl4pPr marR="0" lvl="3" algn="l" rtl="0">
+              <a:lnSpc>
+                <a:spcPct val="90000"/>
+              </a:lnSpc>
+              <a:spcBef>
+                <a:spcPts val="500"/>
+              </a:spcBef>
+              <a:spcAft>
+                <a:spcPts val="0"/>
+              </a:spcAft>
+              <a:buClr>
+                <a:schemeClr val="dk1"/>
+              </a:buClr>
+              <a:buSzPts val="1800"/>
+              <a:buFont typeface="Courier New"/>
+              <a:buChar char="o"/>
+              <a:defRPr sz="1800" b="0" i="0" u="none" strike="noStrike" cap="none">
+                <a:solidFill>
+                  <a:schemeClr val="dk1"/>
+                </a:solidFill>
+                <a:latin typeface="Open Sans"/>
+                <a:ea typeface="Open Sans"/>
+                <a:cs typeface="Open Sans"/>
+                <a:sym typeface="Open Sans"/>
+              </a:defRPr>
+            </a:lvl4pPr>
+            <a:lvl5pPr marR="0" lvl="4" algn="l" rtl="0">
+              <a:lnSpc>
+                <a:spcPct val="90000"/>
+              </a:lnSpc>
+              <a:spcBef>
+                <a:spcPts val="500"/>
+              </a:spcBef>
+              <a:spcAft>
+                <a:spcPts val="0"/>
+              </a:spcAft>
+              <a:buClr>
+                <a:schemeClr val="dk1"/>
+              </a:buClr>
+              <a:buSzPts val="1800"/>
+              <a:buFont typeface="Noto Sans Symbols"/>
+              <a:buChar char="▪"/>
+              <a:defRPr sz="1800" b="0" i="0" u="none" strike="noStrike" cap="none">
+                <a:solidFill>
+                  <a:schemeClr val="dk1"/>
+                </a:solidFill>
+                <a:latin typeface="Open Sans"/>
+                <a:ea typeface="Open Sans"/>
+                <a:cs typeface="Open Sans"/>
+                <a:sym typeface="Open Sans"/>
+              </a:defRPr>
+            </a:lvl5pPr>
+            <a:lvl6pPr marR="0" lvl="5" algn="l" rtl="0">
+              <a:lnSpc>
+                <a:spcPct val="90000"/>
+              </a:lnSpc>
+              <a:spcBef>
+                <a:spcPts val="500"/>
+              </a:spcBef>
+              <a:spcAft>
+                <a:spcPts val="0"/>
+              </a:spcAft>
+              <a:buClr>
+                <a:schemeClr val="dk1"/>
+              </a:buClr>
+              <a:buSzPts val="1800"/>
+              <a:buFont typeface="Arial"/>
+              <a:buChar char="•"/>
+              <a:defRPr sz="1800" b="0" i="0" u="none" strike="noStrike" cap="none">
+                <a:solidFill>
+                  <a:schemeClr val="dk1"/>
+                </a:solidFill>
+                <a:latin typeface="Calibri"/>
+                <a:ea typeface="Calibri"/>
+                <a:cs typeface="Calibri"/>
+                <a:sym typeface="Calibri"/>
+              </a:defRPr>
+            </a:lvl6pPr>
+            <a:lvl7pPr marR="0" lvl="6" algn="l" rtl="0">
+              <a:lnSpc>
+                <a:spcPct val="90000"/>
+              </a:lnSpc>
+              <a:spcBef>
+                <a:spcPts val="500"/>
+              </a:spcBef>
+              <a:spcAft>
+                <a:spcPts val="0"/>
+              </a:spcAft>
+              <a:buClr>
+                <a:schemeClr val="dk1"/>
+              </a:buClr>
+              <a:buSzPts val="1800"/>
+              <a:buFont typeface="Arial"/>
+              <a:buChar char="•"/>
+              <a:defRPr sz="1800" b="0" i="0" u="none" strike="noStrike" cap="none">
+                <a:solidFill>
+                  <a:schemeClr val="dk1"/>
+                </a:solidFill>
+                <a:latin typeface="Calibri"/>
+                <a:ea typeface="Calibri"/>
+                <a:cs typeface="Calibri"/>
+                <a:sym typeface="Calibri"/>
+              </a:defRPr>
+            </a:lvl7pPr>
+            <a:lvl8pPr marR="0" lvl="7" algn="l" rtl="0">
+              <a:lnSpc>
+                <a:spcPct val="90000"/>
+              </a:lnSpc>
+              <a:spcBef>
+                <a:spcPts val="500"/>
+              </a:spcBef>
+              <a:spcAft>
+                <a:spcPts val="0"/>
+              </a:spcAft>
+              <a:buClr>
+                <a:schemeClr val="dk1"/>
+              </a:buClr>
+              <a:buSzPts val="1800"/>
+              <a:buFont typeface="Arial"/>
+              <a:buChar char="•"/>
+              <a:defRPr sz="1800" b="0" i="0" u="none" strike="noStrike" cap="none">
+                <a:solidFill>
+                  <a:schemeClr val="dk1"/>
+                </a:solidFill>
+                <a:latin typeface="Calibri"/>
+                <a:ea typeface="Calibri"/>
+                <a:cs typeface="Calibri"/>
+                <a:sym typeface="Calibri"/>
+              </a:defRPr>
+            </a:lvl8pPr>
+            <a:lvl9pPr marR="0" lvl="8" algn="l" rtl="0">
+              <a:lnSpc>
+                <a:spcPct val="90000"/>
+              </a:lnSpc>
+              <a:spcBef>
+                <a:spcPts val="500"/>
+              </a:spcBef>
+              <a:spcAft>
+                <a:spcPts val="0"/>
+              </a:spcAft>
+              <a:buClr>
+                <a:schemeClr val="dk1"/>
+              </a:buClr>
+              <a:buSzPts val="1800"/>
+              <a:buFont typeface="Arial"/>
+              <a:buChar char="•"/>
+              <a:defRPr sz="1800" b="0" i="0" u="none" strike="noStrike" cap="none">
+                <a:solidFill>
+                  <a:schemeClr val="dk1"/>
+                </a:solidFill>
+                <a:latin typeface="Calibri"/>
+                <a:ea typeface="Calibri"/>
+                <a:cs typeface="Calibri"/>
+                <a:sym typeface="Calibri"/>
+              </a:defRPr>
+            </a:lvl9pPr>
+          </a:lstStyle>
+          <a:p>
+            <a:endParaRPr/>
+          </a:p>
+        </p:txBody>
+      </p:sp>
+      <p:pic>
+        <p:nvPicPr>
+          <p:cNvPr id="41" name="Google Shape;41;p14"/>
+          <p:cNvPicPr preferRelativeResize="0"/>
+          <p:nvPr/>
+        </p:nvPicPr>
+        <p:blipFill rotWithShape="1">
+          <a:blip r:embed="rId2">
+            <a:alphaModFix amt="40000"/>
+          </a:blip>
+          <a:srcRect/>
+          <a:stretch/>
+        </p:blipFill>
+        <p:spPr>
+          <a:xfrm>
+            <a:off x="156750" y="6547264"/>
+            <a:ext cx="1981200" cy="274320"/>
+          </a:xfrm>
+          <a:prstGeom prst="rect">
+            <a:avLst/>
+          </a:prstGeom>
+          <a:noFill/>
+          <a:ln>
+            <a:noFill/>
+          </a:ln>
+        </p:spPr>
+      </p:pic>
+      <p:sp>
+        <p:nvSpPr>
+          <p:cNvPr id="42" name="Google Shape;42;p14"/>
+          <p:cNvSpPr txBox="1"/>
+          <p:nvPr/>
+        </p:nvSpPr>
+        <p:spPr>
+          <a:xfrm>
+            <a:off x="8290560" y="6486304"/>
+            <a:ext cx="3858542" cy="371696"/>
+          </a:xfrm>
+          <a:prstGeom prst="rect">
+            <a:avLst/>
+          </a:prstGeom>
+          <a:noFill/>
+          <a:ln>
+            <a:noFill/>
+          </a:ln>
+        </p:spPr>
+        <p:txBody>
+          <a:bodyPr spcFirstLastPara="1" wrap="square" lIns="91425" tIns="45700" rIns="91425" bIns="45700" anchor="ctr" anchorCtr="0">
+            <a:noAutofit/>
+          </a:bodyPr>
+          <a:lstStyle/>
+          <a:p>
+            <a:pPr marL="0" marR="0" lvl="0" indent="0" algn="r" rtl="0">
+              <a:lnSpc>
+                <a:spcPct val="100000"/>
+              </a:lnSpc>
+              <a:spcBef>
+                <a:spcPts val="0"/>
+              </a:spcBef>
+              <a:spcAft>
+                <a:spcPts val="0"/>
+              </a:spcAft>
+              <a:buClr>
+                <a:srgbClr val="888888"/>
+              </a:buClr>
+              <a:buSzPts val="1100"/>
+              <a:buFont typeface="Open Sans"/>
+              <a:buNone/>
+            </a:pPr>
+            <a:r>
+              <a:rPr lang="en-US" sz="1100" b="0" i="0" u="none" strike="noStrike" cap="none" dirty="0">
+                <a:solidFill>
+                  <a:srgbClr val="888888"/>
+                </a:solidFill>
+                <a:latin typeface="Open Sans"/>
+                <a:ea typeface="Open Sans"/>
+                <a:cs typeface="Open Sans"/>
+                <a:sym typeface="Open Sans"/>
+              </a:rPr>
+              <a:t> CIS 421/521   |   Property of Penn Engineering   |   </a:t>
+            </a:r>
+            <a:fld id="{00000000-1234-1234-1234-123412341234}" type="slidenum">
+              <a:rPr lang="en-US" sz="1100" b="0" i="0" u="none" strike="noStrike" cap="none">
+                <a:solidFill>
+                  <a:srgbClr val="888888"/>
+                </a:solidFill>
+                <a:latin typeface="Open Sans"/>
+                <a:ea typeface="Open Sans"/>
+                <a:cs typeface="Open Sans"/>
+                <a:sym typeface="Open Sans"/>
+              </a:rPr>
+              <a:t>‹#›</a:t>
+            </a:fld>
+            <a:endParaRPr sz="1100" b="0" i="0" u="none" strike="noStrike" cap="none" dirty="0">
+              <a:solidFill>
+                <a:srgbClr val="888888"/>
+              </a:solidFill>
+              <a:latin typeface="Open Sans"/>
+              <a:ea typeface="Open Sans"/>
+              <a:cs typeface="Open Sans"/>
+              <a:sym typeface="Open Sans"/>
+            </a:endParaRPr>
+          </a:p>
+        </p:txBody>
+      </p:sp>
+      <p:sp>
+        <p:nvSpPr>
+          <p:cNvPr id="9" name="Google Shape;27;p12">
+            <a:extLst>
+              <a:ext uri="{FF2B5EF4-FFF2-40B4-BE49-F238E27FC236}">
+                <a16:creationId xmlns:a16="http://schemas.microsoft.com/office/drawing/2014/main" id="{BEE2D974-1EAC-1F42-AA2D-B7FF8CEE91DF}"/>
+              </a:ext>
+            </a:extLst>
+          </p:cNvPr>
+          <p:cNvSpPr txBox="1">
+            <a:spLocks noGrp="1"/>
+          </p:cNvSpPr>
+          <p:nvPr>
+            <p:ph type="body" idx="2"/>
+          </p:nvPr>
+        </p:nvSpPr>
+        <p:spPr>
+          <a:xfrm>
+            <a:off x="394073" y="311152"/>
+            <a:ext cx="10555200" cy="651000"/>
+          </a:xfrm>
+          <a:prstGeom prst="rect">
+            <a:avLst/>
+          </a:prstGeom>
+          <a:noFill/>
+          <a:ln>
+            <a:noFill/>
+          </a:ln>
+        </p:spPr>
+        <p:txBody>
+          <a:bodyPr spcFirstLastPara="1" wrap="square" lIns="91425" tIns="45700" rIns="91425" bIns="45700" anchor="t" anchorCtr="0">
+            <a:noAutofit/>
+          </a:bodyPr>
+          <a:lstStyle>
+            <a:lvl1pPr marL="457200" marR="0" lvl="0" indent="-228600" algn="l">
+              <a:lnSpc>
+                <a:spcPct val="90000"/>
+              </a:lnSpc>
+              <a:spcBef>
+                <a:spcPts val="1000"/>
+              </a:spcBef>
+              <a:spcAft>
+                <a:spcPts val="0"/>
+              </a:spcAft>
+              <a:buClr>
+                <a:srgbClr val="370661"/>
+              </a:buClr>
+              <a:buSzPts val="3200"/>
+              <a:buFont typeface="Open Sans"/>
+              <a:buNone/>
+              <a:defRPr sz="3400" b="1" baseline="0">
+                <a:solidFill>
+                  <a:srgbClr val="370661"/>
+                </a:solidFill>
+              </a:defRPr>
+            </a:lvl1pPr>
+            <a:lvl2pPr marL="914400" lvl="1" indent="-342900" algn="l">
+              <a:lnSpc>
+                <a:spcPct val="90000"/>
+              </a:lnSpc>
+              <a:spcBef>
+                <a:spcPts val="500"/>
+              </a:spcBef>
+              <a:spcAft>
+                <a:spcPts val="0"/>
+              </a:spcAft>
+              <a:buClr>
+                <a:srgbClr val="370661"/>
+              </a:buClr>
+              <a:buSzPts val="1800"/>
+              <a:buFont typeface="Open Sans"/>
+              <a:buChar char="▪"/>
+              <a:defRPr b="1">
+                <a:solidFill>
+                  <a:srgbClr val="370661"/>
+                </a:solidFill>
+              </a:defRPr>
+            </a:lvl2pPr>
+            <a:lvl3pPr marL="1371600" lvl="2" indent="-342900" algn="l">
+              <a:lnSpc>
+                <a:spcPct val="90000"/>
+              </a:lnSpc>
+              <a:spcBef>
+                <a:spcPts val="500"/>
+              </a:spcBef>
+              <a:spcAft>
+                <a:spcPts val="0"/>
+              </a:spcAft>
+              <a:buClr>
+                <a:srgbClr val="370661"/>
+              </a:buClr>
+              <a:buSzPts val="1800"/>
+              <a:buFont typeface="Open Sans"/>
+              <a:buChar char="•"/>
+              <a:defRPr b="1">
+                <a:solidFill>
+                  <a:srgbClr val="370661"/>
+                </a:solidFill>
+              </a:defRPr>
+            </a:lvl3pPr>
+            <a:lvl4pPr marL="1828800" lvl="3" indent="-342900" algn="l">
+              <a:lnSpc>
+                <a:spcPct val="90000"/>
+              </a:lnSpc>
+              <a:spcBef>
+                <a:spcPts val="500"/>
+              </a:spcBef>
+              <a:spcAft>
+                <a:spcPts val="0"/>
+              </a:spcAft>
+              <a:buClr>
+                <a:srgbClr val="370661"/>
+              </a:buClr>
+              <a:buSzPts val="1800"/>
+              <a:buFont typeface="Open Sans"/>
+              <a:buChar char="o"/>
+              <a:defRPr b="1">
+                <a:solidFill>
+                  <a:srgbClr val="370661"/>
+                </a:solidFill>
+              </a:defRPr>
+            </a:lvl4pPr>
+            <a:lvl5pPr marL="2286000" lvl="4" indent="-342900" algn="l">
+              <a:lnSpc>
+                <a:spcPct val="90000"/>
+              </a:lnSpc>
+              <a:spcBef>
+                <a:spcPts val="500"/>
+              </a:spcBef>
+              <a:spcAft>
+                <a:spcPts val="0"/>
+              </a:spcAft>
+              <a:buClr>
+                <a:srgbClr val="370661"/>
+              </a:buClr>
+              <a:buSzPts val="1800"/>
+              <a:buFont typeface="Open Sans"/>
+              <a:buChar char="▪"/>
+              <a:defRPr b="1">
+                <a:solidFill>
+                  <a:srgbClr val="370661"/>
+                </a:solidFill>
+              </a:defRPr>
+            </a:lvl5pPr>
+            <a:lvl6pPr marL="2743200" lvl="5" indent="-342900" algn="l">
+              <a:lnSpc>
+                <a:spcPct val="90000"/>
+              </a:lnSpc>
+              <a:spcBef>
+                <a:spcPts val="500"/>
+              </a:spcBef>
+              <a:spcAft>
+                <a:spcPts val="0"/>
+              </a:spcAft>
+              <a:buClr>
+                <a:srgbClr val="370661"/>
+              </a:buClr>
+              <a:buSzPts val="1800"/>
+              <a:buFont typeface="Open Sans"/>
+              <a:buChar char="•"/>
+              <a:defRPr b="1">
+                <a:solidFill>
+                  <a:srgbClr val="370661"/>
+                </a:solidFill>
+                <a:latin typeface="Open Sans"/>
+                <a:ea typeface="Open Sans"/>
+                <a:cs typeface="Open Sans"/>
+                <a:sym typeface="Open Sans"/>
+              </a:defRPr>
+            </a:lvl6pPr>
+            <a:lvl7pPr marL="3200400" lvl="6" indent="-342900" algn="l">
+              <a:lnSpc>
+                <a:spcPct val="90000"/>
+              </a:lnSpc>
+              <a:spcBef>
+                <a:spcPts val="500"/>
+              </a:spcBef>
+              <a:spcAft>
+                <a:spcPts val="0"/>
+              </a:spcAft>
+              <a:buClr>
+                <a:srgbClr val="370661"/>
+              </a:buClr>
+              <a:buSzPts val="1800"/>
+              <a:buFont typeface="Open Sans"/>
+              <a:buChar char="•"/>
+              <a:defRPr b="1">
+                <a:solidFill>
+                  <a:srgbClr val="370661"/>
+                </a:solidFill>
+                <a:latin typeface="Open Sans"/>
+                <a:ea typeface="Open Sans"/>
+                <a:cs typeface="Open Sans"/>
+                <a:sym typeface="Open Sans"/>
+              </a:defRPr>
+            </a:lvl7pPr>
+            <a:lvl8pPr marL="3657600" lvl="7" indent="-342900" algn="l">
+              <a:lnSpc>
+                <a:spcPct val="90000"/>
+              </a:lnSpc>
+              <a:spcBef>
+                <a:spcPts val="500"/>
+              </a:spcBef>
+              <a:spcAft>
+                <a:spcPts val="0"/>
+              </a:spcAft>
+              <a:buClr>
+                <a:srgbClr val="370661"/>
+              </a:buClr>
+              <a:buSzPts val="1800"/>
+              <a:buFont typeface="Open Sans"/>
+              <a:buChar char="•"/>
+              <a:defRPr b="1">
+                <a:solidFill>
+                  <a:srgbClr val="370661"/>
+                </a:solidFill>
+                <a:latin typeface="Open Sans"/>
+                <a:ea typeface="Open Sans"/>
+                <a:cs typeface="Open Sans"/>
+                <a:sym typeface="Open Sans"/>
+              </a:defRPr>
+            </a:lvl8pPr>
+            <a:lvl9pPr marL="4114800" lvl="8" indent="-342900" algn="l">
+              <a:lnSpc>
+                <a:spcPct val="90000"/>
+              </a:lnSpc>
+              <a:spcBef>
+                <a:spcPts val="500"/>
+              </a:spcBef>
+              <a:spcAft>
+                <a:spcPts val="0"/>
+              </a:spcAft>
+              <a:buClr>
+                <a:srgbClr val="370661"/>
+              </a:buClr>
+              <a:buSzPts val="1800"/>
+              <a:buFont typeface="Open Sans"/>
+              <a:buChar char="•"/>
+              <a:defRPr b="1">
+                <a:solidFill>
+                  <a:srgbClr val="370661"/>
+                </a:solidFill>
+                <a:latin typeface="Open Sans"/>
+                <a:ea typeface="Open Sans"/>
+                <a:cs typeface="Open Sans"/>
+                <a:sym typeface="Open Sans"/>
+              </a:defRPr>
+            </a:lvl9pPr>
+          </a:lstStyle>
+          <a:p>
+            <a:endParaRPr dirty="0"/>
+          </a:p>
+        </p:txBody>
+      </p:sp>
+      <p:pic>
+        <p:nvPicPr>
+          <p:cNvPr id="10" name="Google Shape;66;p2">
+            <a:extLst>
+              <a:ext uri="{FF2B5EF4-FFF2-40B4-BE49-F238E27FC236}">
+                <a16:creationId xmlns:a16="http://schemas.microsoft.com/office/drawing/2014/main" id="{649A136B-7A2E-2941-AB0D-6CB107691063}"/>
+              </a:ext>
+            </a:extLst>
+          </p:cNvPr>
+          <p:cNvPicPr preferRelativeResize="0"/>
+          <p:nvPr userDrawn="1"/>
+        </p:nvPicPr>
+        <p:blipFill rotWithShape="1">
+          <a:blip r:embed="rId3">
+            <a:alphaModFix/>
+            <a:extLst>
+              <a:ext uri="{28A0092B-C50C-407E-A947-70E740481C1C}">
+                <a14:useLocalDpi xmlns:a14="http://schemas.microsoft.com/office/drawing/2010/main"/>
+              </a:ext>
+            </a:extLst>
+          </a:blip>
+          <a:srcRect b="-231"/>
+          <a:stretch/>
+        </p:blipFill>
+        <p:spPr>
+          <a:xfrm>
+            <a:off x="11603925" y="0"/>
+            <a:ext cx="590700" cy="3772950"/>
+          </a:xfrm>
+          <a:prstGeom prst="rect">
+            <a:avLst/>
+          </a:prstGeom>
+          <a:noFill/>
+          <a:ln>
+            <a:noFill/>
+          </a:ln>
+        </p:spPr>
+      </p:pic>
+      <p:sp>
+        <p:nvSpPr>
+          <p:cNvPr id="11" name="Google Shape;67;p2">
+            <a:extLst>
+              <a:ext uri="{FF2B5EF4-FFF2-40B4-BE49-F238E27FC236}">
+                <a16:creationId xmlns:a16="http://schemas.microsoft.com/office/drawing/2014/main" id="{43727CB3-AE7C-6D4B-8A6F-2E50425D599C}"/>
+              </a:ext>
+            </a:extLst>
+          </p:cNvPr>
+          <p:cNvSpPr/>
+          <p:nvPr userDrawn="1"/>
+        </p:nvSpPr>
+        <p:spPr>
+          <a:xfrm>
+            <a:off x="11603919" y="3696759"/>
+            <a:ext cx="590700" cy="202800"/>
+          </a:xfrm>
+          <a:prstGeom prst="rect">
+            <a:avLst/>
+          </a:prstGeom>
+          <a:solidFill>
+            <a:srgbClr val="370661"/>
+          </a:solidFill>
+          <a:ln>
+            <a:noFill/>
+          </a:ln>
+        </p:spPr>
+        <p:txBody>
+          <a:bodyPr spcFirstLastPara="1" wrap="square" lIns="91425" tIns="45700" rIns="91425" bIns="45700" anchor="ctr" anchorCtr="0">
+            <a:noAutofit/>
+          </a:bodyPr>
+          <a:lstStyle/>
+          <a:p>
+            <a:pPr marL="0" marR="0" lvl="0" indent="0" algn="ctr" rtl="0">
+              <a:lnSpc>
+                <a:spcPct val="100000"/>
+              </a:lnSpc>
+              <a:spcBef>
+                <a:spcPts val="0"/>
+              </a:spcBef>
+              <a:spcAft>
+                <a:spcPts val="0"/>
+              </a:spcAft>
+              <a:buClr>
+                <a:srgbClr val="000000"/>
+              </a:buClr>
+              <a:buSzPts val="1800"/>
+              <a:buFont typeface="Arial"/>
+              <a:buNone/>
+            </a:pPr>
+            <a:endParaRPr sz="1800" b="0" i="0" u="none" strike="noStrike" cap="none">
+              <a:solidFill>
+                <a:srgbClr val="FFFFFF"/>
+              </a:solidFill>
+              <a:latin typeface="Calibri"/>
+              <a:ea typeface="Calibri"/>
+              <a:cs typeface="Calibri"/>
+              <a:sym typeface="Calibri"/>
+            </a:endParaRPr>
+          </a:p>
+        </p:txBody>
+      </p:sp>
+    </p:spTree>
+    <p:extLst>
+      <p:ext uri="{BB962C8B-B14F-4D97-AF65-F5344CB8AC3E}">
+        <p14:creationId xmlns:p14="http://schemas.microsoft.com/office/powerpoint/2010/main" val="1560181791"/>
+      </p:ext>
+    </p:extLst>
+  </p:cSld>
+  <p:clrMapOvr>
+    <a:masterClrMapping/>
+  </p:clrMapOvr>
+</p:sldLayout>
+</file>
+
 <file path=ppt/slideLayouts/slideLayout2.xml><?xml version="1.0" encoding="utf-8"?>
 <p:sldLayout xmlns:a="http://schemas.openxmlformats.org/drawingml/2006/main" xmlns:r="http://schemas.openxmlformats.org/officeDocument/2006/relationships" xmlns:p="http://schemas.openxmlformats.org/presentationml/2006/main" type="obj" preserve="1">
   <p:cSld name="Title and Content">
@@ -5174,6 +6131,7 @@
     <p:sldLayoutId id="2147483754" r:id="rId9"/>
     <p:sldLayoutId id="2147483755" r:id="rId10"/>
     <p:sldLayoutId id="2147483756" r:id="rId11"/>
+    <p:sldLayoutId id="2147483757" r:id="rId12"/>
   </p:sldLayoutIdLst>
   <p:hf hdr="0" ftr="0" dt="0"/>
   <p:txStyles>
@@ -9762,6 +10720,177 @@
 </p:sld>
 </file>
 
+<file path=ppt/slides/slide17.xml><?xml version="1.0" encoding="utf-8"?>
+<p:sld xmlns:a="http://schemas.openxmlformats.org/drawingml/2006/main" xmlns:r="http://schemas.openxmlformats.org/officeDocument/2006/relationships" xmlns:p="http://schemas.openxmlformats.org/presentationml/2006/main">
+  <p:cSld>
+    <p:spTree>
+      <p:nvGrpSpPr>
+        <p:cNvPr id="1" name=""/>
+        <p:cNvGrpSpPr/>
+        <p:nvPr/>
+      </p:nvGrpSpPr>
+      <p:grpSpPr>
+        <a:xfrm>
+          <a:off x="0" y="0"/>
+          <a:ext cx="0" cy="0"/>
+          <a:chOff x="0" y="0"/>
+          <a:chExt cx="0" cy="0"/>
+        </a:xfrm>
+      </p:grpSpPr>
+      <p:sp>
+        <p:nvSpPr>
+          <p:cNvPr id="6" name="Text Placeholder 5">
+            <a:extLst>
+              <a:ext uri="{FF2B5EF4-FFF2-40B4-BE49-F238E27FC236}">
+                <a16:creationId xmlns:a16="http://schemas.microsoft.com/office/drawing/2014/main" id="{B548AFC3-FE82-EE4E-A547-3C31521850C4}"/>
+              </a:ext>
+            </a:extLst>
+          </p:cNvPr>
+          <p:cNvSpPr>
+            <a:spLocks noGrp="1"/>
+          </p:cNvSpPr>
+          <p:nvPr>
+            <p:ph type="body" idx="1"/>
+          </p:nvPr>
+        </p:nvSpPr>
+        <p:spPr>
+          <a:xfrm>
+            <a:off x="399684" y="1416050"/>
+            <a:ext cx="4823751" cy="5130798"/>
+          </a:xfrm>
+        </p:spPr>
+        <p:txBody>
+          <a:bodyPr>
+            <a:normAutofit/>
+          </a:bodyPr>
+          <a:lstStyle/>
+          <a:p>
+            <a:pPr marL="101600" indent="0">
+              <a:buNone/>
+            </a:pPr>
+            <a:r>
+              <a:rPr lang="en-US" dirty="0"/>
+              <a:t>Chapter 22 – Reinforcement Learning</a:t>
+            </a:r>
+            <a:br>
+              <a:rPr lang="en-US" dirty="0"/>
+            </a:br>
+            <a:r>
+              <a:rPr lang="en-US" dirty="0"/>
+              <a:t>Sections 22.1-22.5</a:t>
+            </a:r>
+          </a:p>
+          <a:p>
+            <a:pPr marL="101600" indent="0">
+              <a:buNone/>
+            </a:pPr>
+            <a:endParaRPr lang="en-US" dirty="0"/>
+          </a:p>
+          <a:p>
+            <a:pPr marL="101600" indent="0">
+              <a:buNone/>
+            </a:pPr>
+            <a:r>
+              <a:rPr lang="en-US"/>
+              <a:t>)</a:t>
+            </a:r>
+            <a:endParaRPr lang="en-US" dirty="0"/>
+          </a:p>
+        </p:txBody>
+      </p:sp>
+      <p:sp>
+        <p:nvSpPr>
+          <p:cNvPr id="3" name="Text Placeholder 2">
+            <a:extLst>
+              <a:ext uri="{FF2B5EF4-FFF2-40B4-BE49-F238E27FC236}">
+                <a16:creationId xmlns:a16="http://schemas.microsoft.com/office/drawing/2014/main" id="{A4908A78-BB33-D740-A1A0-FF42B851C1E9}"/>
+              </a:ext>
+            </a:extLst>
+          </p:cNvPr>
+          <p:cNvSpPr>
+            <a:spLocks noGrp="1"/>
+          </p:cNvSpPr>
+          <p:nvPr>
+            <p:ph type="body" idx="2"/>
+          </p:nvPr>
+        </p:nvSpPr>
+        <p:spPr/>
+        <p:txBody>
+          <a:bodyPr>
+            <a:normAutofit lnSpcReduction="10000"/>
+          </a:bodyPr>
+          <a:lstStyle/>
+          <a:p>
+            <a:r>
+              <a:rPr lang="en-US" dirty="0"/>
+              <a:t>Reading</a:t>
+            </a:r>
+          </a:p>
+          <a:p>
+            <a:endParaRPr lang="en-US" dirty="0"/>
+          </a:p>
+        </p:txBody>
+      </p:sp>
+      <p:pic>
+        <p:nvPicPr>
+          <p:cNvPr id="1028" name="Picture 4" descr="Russell &amp; Norvig, Artificial Intelligence: A Modern Approach, 4th Edition |  Pearson">
+            <a:extLst>
+              <a:ext uri="{FF2B5EF4-FFF2-40B4-BE49-F238E27FC236}">
+                <a16:creationId xmlns:a16="http://schemas.microsoft.com/office/drawing/2014/main" id="{450754BC-1106-F94D-ACE2-ABF9F8A4E7BE}"/>
+              </a:ext>
+            </a:extLst>
+          </p:cNvPr>
+          <p:cNvPicPr>
+            <a:picLocks noChangeAspect="1" noChangeArrowheads="1"/>
+          </p:cNvPicPr>
+          <p:nvPr/>
+        </p:nvPicPr>
+        <p:blipFill>
+          <a:blip r:embed="rId2">
+            <a:extLst>
+              <a:ext uri="{28A0092B-C50C-407E-A947-70E740481C1C}">
+                <a14:useLocalDpi xmlns:a14="http://schemas.microsoft.com/office/drawing/2010/main"/>
+              </a:ext>
+            </a:extLst>
+          </a:blip>
+          <a:srcRect/>
+          <a:stretch>
+            <a:fillRect/>
+          </a:stretch>
+        </p:blipFill>
+        <p:spPr bwMode="auto">
+          <a:xfrm>
+            <a:off x="6773863" y="0"/>
+            <a:ext cx="5418137" cy="6858000"/>
+          </a:xfrm>
+          <a:prstGeom prst="rect">
+            <a:avLst/>
+          </a:prstGeom>
+          <a:noFill/>
+          <a:extLst>
+            <a:ext uri="{909E8E84-426E-40DD-AFC4-6F175D3DCCD1}">
+              <a14:hiddenFill xmlns:a14="http://schemas.microsoft.com/office/drawing/2010/main">
+                <a:solidFill>
+                  <a:srgbClr val="FFFFFF"/>
+                </a:solidFill>
+              </a14:hiddenFill>
+            </a:ext>
+          </a:extLst>
+        </p:spPr>
+      </p:pic>
+    </p:spTree>
+    <p:extLst>
+      <p:ext uri="{BB962C8B-B14F-4D97-AF65-F5344CB8AC3E}">
+        <p14:creationId xmlns:p14="http://schemas.microsoft.com/office/powerpoint/2010/main" val="1897912332"/>
+      </p:ext>
+    </p:extLst>
+  </p:cSld>
+  <p:clrMapOvr>
+    <a:masterClrMapping/>
+  </p:clrMapOvr>
+</p:sld>
+</file>
+
 <file path=ppt/slides/slide2.xml><?xml version="1.0" encoding="utf-8"?>
 <p:sld xmlns:a="http://schemas.openxmlformats.org/drawingml/2006/main" xmlns:r="http://schemas.openxmlformats.org/officeDocument/2006/relationships" xmlns:p="http://schemas.openxmlformats.org/presentationml/2006/main">
   <p:cSld>
@@ -11151,7 +12280,7 @@
           <a:graphicData uri="http://schemas.openxmlformats.org/presentationml/2006/ole">
             <mc:AlternateContent xmlns:mc="http://schemas.openxmlformats.org/markup-compatibility/2006">
               <mc:Choice xmlns:v="urn:schemas-microsoft-com:vml" Requires="v">
-                <p:oleObj spid="_x0000_s1069" name="Photo Editor Photo" r:id="rId11" imgW="4762913" imgH="4046571" progId="MSPhotoEd.3">
+                <p:oleObj spid="_x0000_s1070" name="Photo Editor Photo" r:id="rId11" imgW="4762913" imgH="4046571" progId="MSPhotoEd.3">
                   <p:embed/>
                 </p:oleObj>
               </mc:Choice>

--- a/assets/slides/05-Reinforcement-Learning-part-2.pptx
+++ b/assets/slides/05-Reinforcement-Learning-part-2.pptx
@@ -1263,6 +1263,101 @@
     <p:extLst>
       <p:ext uri="{BB962C8B-B14F-4D97-AF65-F5344CB8AC3E}">
         <p14:creationId xmlns:p14="http://schemas.microsoft.com/office/powerpoint/2010/main" val="652294583"/>
+      </p:ext>
+    </p:extLst>
+  </p:cSld>
+  <p:clrMapOvr>
+    <a:masterClrMapping/>
+  </p:clrMapOvr>
+</p:notes>
+</file>
+
+<file path=ppt/notesSlides/notesSlide12.xml><?xml version="1.0" encoding="utf-8"?>
+<p:notes xmlns:a="http://schemas.openxmlformats.org/drawingml/2006/main" xmlns:r="http://schemas.openxmlformats.org/officeDocument/2006/relationships" xmlns:p="http://schemas.openxmlformats.org/presentationml/2006/main">
+  <p:cSld>
+    <p:spTree>
+      <p:nvGrpSpPr>
+        <p:cNvPr id="1" name=""/>
+        <p:cNvGrpSpPr/>
+        <p:nvPr/>
+      </p:nvGrpSpPr>
+      <p:grpSpPr>
+        <a:xfrm>
+          <a:off x="0" y="0"/>
+          <a:ext cx="0" cy="0"/>
+          <a:chOff x="0" y="0"/>
+          <a:chExt cx="0" cy="0"/>
+        </a:xfrm>
+      </p:grpSpPr>
+      <p:sp>
+        <p:nvSpPr>
+          <p:cNvPr id="2" name="Slide Image Placeholder 1"/>
+          <p:cNvSpPr>
+            <a:spLocks noGrp="1" noRot="1" noChangeAspect="1"/>
+          </p:cNvSpPr>
+          <p:nvPr>
+            <p:ph type="sldImg"/>
+          </p:nvPr>
+        </p:nvSpPr>
+        <p:spPr>
+          <a:xfrm>
+            <a:off x="138113" y="768350"/>
+            <a:ext cx="6823075" cy="3838575"/>
+          </a:xfrm>
+        </p:spPr>
+      </p:sp>
+      <p:sp>
+        <p:nvSpPr>
+          <p:cNvPr id="3" name="Notes Placeholder 2"/>
+          <p:cNvSpPr>
+            <a:spLocks noGrp="1"/>
+          </p:cNvSpPr>
+          <p:nvPr>
+            <p:ph type="body" idx="1"/>
+          </p:nvPr>
+        </p:nvSpPr>
+        <p:spPr/>
+        <p:txBody>
+          <a:bodyPr/>
+          <a:lstStyle/>
+          <a:p>
+            <a:endParaRPr lang="en-US" dirty="0"/>
+          </a:p>
+        </p:txBody>
+      </p:sp>
+      <p:sp>
+        <p:nvSpPr>
+          <p:cNvPr id="4" name="Slide Number Placeholder 3"/>
+          <p:cNvSpPr>
+            <a:spLocks noGrp="1"/>
+          </p:cNvSpPr>
+          <p:nvPr>
+            <p:ph type="sldNum" sz="quarter" idx="5"/>
+          </p:nvPr>
+        </p:nvSpPr>
+        <p:spPr/>
+        <p:txBody>
+          <a:bodyPr/>
+          <a:lstStyle/>
+          <a:p>
+            <a:pPr>
+              <a:defRPr/>
+            </a:pPr>
+            <a:fld id="{DC3ED746-492E-4D0C-832A-ACED5D621C80}" type="slidenum">
+              <a:rPr lang="en-US" smtClean="0"/>
+              <a:pPr>
+                <a:defRPr/>
+              </a:pPr>
+              <a:t>17</a:t>
+            </a:fld>
+            <a:endParaRPr lang="en-US"/>
+          </a:p>
+        </p:txBody>
+      </p:sp>
+    </p:spTree>
+    <p:extLst>
+      <p:ext uri="{BB962C8B-B14F-4D97-AF65-F5344CB8AC3E}">
+        <p14:creationId xmlns:p14="http://schemas.microsoft.com/office/powerpoint/2010/main" val="1563446158"/>
       </p:ext>
     </p:extLst>
   </p:cSld>
@@ -10790,10 +10885,6 @@
             <a:pPr marL="101600" indent="0">
               <a:buNone/>
             </a:pPr>
-            <a:r>
-              <a:rPr lang="en-US"/>
-              <a:t>)</a:t>
-            </a:r>
             <a:endParaRPr lang="en-US" dirty="0"/>
           </a:p>
         </p:txBody>
@@ -10846,7 +10937,7 @@
           <p:nvPr/>
         </p:nvPicPr>
         <p:blipFill>
-          <a:blip r:embed="rId2">
+          <a:blip r:embed="rId3">
             <a:extLst>
               <a:ext uri="{28A0092B-C50C-407E-A947-70E740481C1C}">
                 <a14:useLocalDpi xmlns:a14="http://schemas.microsoft.com/office/drawing/2010/main"/>
@@ -12280,7 +12371,7 @@
           <a:graphicData uri="http://schemas.openxmlformats.org/presentationml/2006/ole">
             <mc:AlternateContent xmlns:mc="http://schemas.openxmlformats.org/markup-compatibility/2006">
               <mc:Choice xmlns:v="urn:schemas-microsoft-com:vml" Requires="v">
-                <p:oleObj spid="_x0000_s1070" name="Photo Editor Photo" r:id="rId11" imgW="4762913" imgH="4046571" progId="MSPhotoEd.3">
+                <p:oleObj spid="_x0000_s1071" name="Photo Editor Photo" r:id="rId11" imgW="4762913" imgH="4046571" progId="MSPhotoEd.3">
                   <p:embed/>
                 </p:oleObj>
               </mc:Choice>

--- a/assets/slides/05-Reinforcement-Learning-part-2.pptx
+++ b/assets/slides/05-Reinforcement-Learning-part-2.pptx
@@ -5,10 +5,10 @@
     <p:sldMasterId id="2147483745" r:id="rId1"/>
   </p:sldMasterIdLst>
   <p:notesMasterIdLst>
-    <p:notesMasterId r:id="rId19"/>
+    <p:notesMasterId r:id="rId20"/>
   </p:notesMasterIdLst>
   <p:handoutMasterIdLst>
-    <p:handoutMasterId r:id="rId20"/>
+    <p:handoutMasterId r:id="rId21"/>
   </p:handoutMasterIdLst>
   <p:sldIdLst>
     <p:sldId id="1185" r:id="rId2"/>
@@ -27,12 +27,13 @@
     <p:sldId id="856" r:id="rId15"/>
     <p:sldId id="778" r:id="rId16"/>
     <p:sldId id="779" r:id="rId17"/>
-    <p:sldId id="261" r:id="rId18"/>
+    <p:sldId id="1186" r:id="rId18"/>
+    <p:sldId id="261" r:id="rId19"/>
   </p:sldIdLst>
   <p:sldSz cx="12192000" cy="6858000"/>
   <p:notesSz cx="7099300" cy="10234613"/>
   <p:custDataLst>
-    <p:tags r:id="rId21"/>
+    <p:tags r:id="rId22"/>
   </p:custDataLst>
   <p:defaultTextStyle>
     <a:defPPr>
@@ -1349,6 +1350,101 @@
                 <a:defRPr/>
               </a:pPr>
               <a:t>17</a:t>
+            </a:fld>
+            <a:endParaRPr lang="en-US"/>
+          </a:p>
+        </p:txBody>
+      </p:sp>
+    </p:spTree>
+    <p:extLst>
+      <p:ext uri="{BB962C8B-B14F-4D97-AF65-F5344CB8AC3E}">
+        <p14:creationId xmlns:p14="http://schemas.microsoft.com/office/powerpoint/2010/main" val="3851082768"/>
+      </p:ext>
+    </p:extLst>
+  </p:cSld>
+  <p:clrMapOvr>
+    <a:masterClrMapping/>
+  </p:clrMapOvr>
+</p:notes>
+</file>
+
+<file path=ppt/notesSlides/notesSlide13.xml><?xml version="1.0" encoding="utf-8"?>
+<p:notes xmlns:a="http://schemas.openxmlformats.org/drawingml/2006/main" xmlns:r="http://schemas.openxmlformats.org/officeDocument/2006/relationships" xmlns:p="http://schemas.openxmlformats.org/presentationml/2006/main">
+  <p:cSld>
+    <p:spTree>
+      <p:nvGrpSpPr>
+        <p:cNvPr id="1" name=""/>
+        <p:cNvGrpSpPr/>
+        <p:nvPr/>
+      </p:nvGrpSpPr>
+      <p:grpSpPr>
+        <a:xfrm>
+          <a:off x="0" y="0"/>
+          <a:ext cx="0" cy="0"/>
+          <a:chOff x="0" y="0"/>
+          <a:chExt cx="0" cy="0"/>
+        </a:xfrm>
+      </p:grpSpPr>
+      <p:sp>
+        <p:nvSpPr>
+          <p:cNvPr id="2" name="Slide Image Placeholder 1"/>
+          <p:cNvSpPr>
+            <a:spLocks noGrp="1" noRot="1" noChangeAspect="1"/>
+          </p:cNvSpPr>
+          <p:nvPr>
+            <p:ph type="sldImg"/>
+          </p:nvPr>
+        </p:nvSpPr>
+        <p:spPr>
+          <a:xfrm>
+            <a:off x="138113" y="768350"/>
+            <a:ext cx="6823075" cy="3838575"/>
+          </a:xfrm>
+        </p:spPr>
+      </p:sp>
+      <p:sp>
+        <p:nvSpPr>
+          <p:cNvPr id="3" name="Notes Placeholder 2"/>
+          <p:cNvSpPr>
+            <a:spLocks noGrp="1"/>
+          </p:cNvSpPr>
+          <p:nvPr>
+            <p:ph type="body" idx="1"/>
+          </p:nvPr>
+        </p:nvSpPr>
+        <p:spPr/>
+        <p:txBody>
+          <a:bodyPr/>
+          <a:lstStyle/>
+          <a:p>
+            <a:endParaRPr lang="en-US" dirty="0"/>
+          </a:p>
+        </p:txBody>
+      </p:sp>
+      <p:sp>
+        <p:nvSpPr>
+          <p:cNvPr id="4" name="Slide Number Placeholder 3"/>
+          <p:cNvSpPr>
+            <a:spLocks noGrp="1"/>
+          </p:cNvSpPr>
+          <p:nvPr>
+            <p:ph type="sldNum" sz="quarter" idx="5"/>
+          </p:nvPr>
+        </p:nvSpPr>
+        <p:spPr/>
+        <p:txBody>
+          <a:bodyPr/>
+          <a:lstStyle/>
+          <a:p>
+            <a:pPr>
+              <a:defRPr/>
+            </a:pPr>
+            <a:fld id="{DC3ED746-492E-4D0C-832A-ACED5D621C80}" type="slidenum">
+              <a:rPr lang="en-US" smtClean="0"/>
+              <a:pPr>
+                <a:defRPr/>
+              </a:pPr>
+              <a:t>18</a:t>
             </a:fld>
             <a:endParaRPr lang="en-US"/>
           </a:p>
@@ -6745,7 +6841,7 @@
         </p:nvSpPr>
         <p:spPr>
           <a:xfrm>
-            <a:off x="-77182" y="1098731"/>
+            <a:off x="-21771" y="1117600"/>
             <a:ext cx="6856789" cy="5588000"/>
           </a:xfrm>
         </p:spPr>
@@ -6769,7 +6865,7 @@
           </a:p>
           <a:p>
             <a:r>
-              <a:rPr lang="en-US" sz="1800" dirty="0"/>
+              <a:rPr lang="en-US" sz="2300" dirty="0"/>
               <a:t>Today is the last day to vote early! </a:t>
             </a:r>
             <a:r>
@@ -10834,6 +10930,172 @@
       </p:grpSpPr>
       <p:sp>
         <p:nvSpPr>
+          <p:cNvPr id="2" name="Title 1">
+            <a:extLst>
+              <a:ext uri="{FF2B5EF4-FFF2-40B4-BE49-F238E27FC236}">
+                <a16:creationId xmlns:a16="http://schemas.microsoft.com/office/drawing/2014/main" id="{F7B21F05-7782-8345-832C-3307915BD23D}"/>
+              </a:ext>
+            </a:extLst>
+          </p:cNvPr>
+          <p:cNvSpPr>
+            <a:spLocks noGrp="1"/>
+          </p:cNvSpPr>
+          <p:nvPr>
+            <p:ph type="title"/>
+          </p:nvPr>
+        </p:nvSpPr>
+        <p:spPr/>
+        <p:txBody>
+          <a:bodyPr/>
+          <a:lstStyle/>
+          <a:p>
+            <a:r>
+              <a:rPr lang="en-US" dirty="0"/>
+              <a:t>HW6</a:t>
+            </a:r>
+          </a:p>
+        </p:txBody>
+      </p:sp>
+      <p:sp>
+        <p:nvSpPr>
+          <p:cNvPr id="3" name="Content Placeholder 2">
+            <a:extLst>
+              <a:ext uri="{FF2B5EF4-FFF2-40B4-BE49-F238E27FC236}">
+                <a16:creationId xmlns:a16="http://schemas.microsoft.com/office/drawing/2014/main" id="{92CE53B3-4002-C84B-B82D-74C132B19947}"/>
+              </a:ext>
+            </a:extLst>
+          </p:cNvPr>
+          <p:cNvSpPr>
+            <a:spLocks noGrp="1"/>
+          </p:cNvSpPr>
+          <p:nvPr>
+            <p:ph idx="1"/>
+          </p:nvPr>
+        </p:nvSpPr>
+        <p:spPr>
+          <a:xfrm>
+            <a:off x="2971800" y="1397001"/>
+            <a:ext cx="8813800" cy="4729164"/>
+          </a:xfrm>
+        </p:spPr>
+        <p:txBody>
+          <a:bodyPr/>
+          <a:lstStyle/>
+          <a:p>
+            <a:r>
+              <a:rPr lang="en-US" dirty="0"/>
+              <a:t>Homework 6: Reinforcement learning [100 points]</a:t>
+            </a:r>
+          </a:p>
+          <a:p>
+            <a:r>
+              <a:rPr lang="en-US" dirty="0"/>
+              <a:t>1. Q-Learning [35 Points]</a:t>
+            </a:r>
+          </a:p>
+          <a:p>
+            <a:r>
+              <a:rPr lang="en-US" dirty="0"/>
+              <a:t>Epsilon Greedy [20 points]</a:t>
+            </a:r>
+          </a:p>
+          <a:p>
+            <a:r>
+              <a:rPr lang="en-US" dirty="0"/>
+              <a:t>Bridge Crossing Revisited [10 points]</a:t>
+            </a:r>
+          </a:p>
+          <a:p>
+            <a:r>
+              <a:rPr lang="en-US" dirty="0"/>
+              <a:t>Q-Learning and Pacman [10 points]</a:t>
+            </a:r>
+          </a:p>
+          <a:p>
+            <a:r>
+              <a:rPr lang="en-US" dirty="0"/>
+              <a:t>Approximate Q-Learning [20 points]</a:t>
+            </a:r>
+          </a:p>
+          <a:p>
+            <a:pPr marL="0" indent="0">
+              <a:buNone/>
+            </a:pPr>
+            <a:br>
+              <a:rPr lang="en-US" dirty="0"/>
+            </a:br>
+            <a:br>
+              <a:rPr lang="en-US" dirty="0"/>
+            </a:br>
+            <a:endParaRPr lang="en-US" dirty="0"/>
+          </a:p>
+          <a:p>
+            <a:endParaRPr lang="en-US" dirty="0"/>
+          </a:p>
+        </p:txBody>
+      </p:sp>
+      <p:pic>
+        <p:nvPicPr>
+          <p:cNvPr id="4" name="Picture 3">
+            <a:extLst>
+              <a:ext uri="{FF2B5EF4-FFF2-40B4-BE49-F238E27FC236}">
+                <a16:creationId xmlns:a16="http://schemas.microsoft.com/office/drawing/2014/main" id="{A504E4C1-C345-6D43-8EA6-29EEE8816644}"/>
+              </a:ext>
+            </a:extLst>
+          </p:cNvPr>
+          <p:cNvPicPr>
+            <a:picLocks noChangeAspect="1"/>
+          </p:cNvPicPr>
+          <p:nvPr/>
+        </p:nvPicPr>
+        <p:blipFill>
+          <a:blip r:embed="rId3"/>
+          <a:stretch>
+            <a:fillRect/>
+          </a:stretch>
+        </p:blipFill>
+        <p:spPr>
+          <a:xfrm>
+            <a:off x="436880" y="1828800"/>
+            <a:ext cx="2139384" cy="4729164"/>
+          </a:xfrm>
+          <a:prstGeom prst="rect">
+            <a:avLst/>
+          </a:prstGeom>
+        </p:spPr>
+      </p:pic>
+    </p:spTree>
+    <p:extLst>
+      <p:ext uri="{BB962C8B-B14F-4D97-AF65-F5344CB8AC3E}">
+        <p14:creationId xmlns:p14="http://schemas.microsoft.com/office/powerpoint/2010/main" val="3906398599"/>
+      </p:ext>
+    </p:extLst>
+  </p:cSld>
+  <p:clrMapOvr>
+    <a:masterClrMapping/>
+  </p:clrMapOvr>
+</p:sld>
+</file>
+
+<file path=ppt/slides/slide18.xml><?xml version="1.0" encoding="utf-8"?>
+<p:sld xmlns:a="http://schemas.openxmlformats.org/drawingml/2006/main" xmlns:r="http://schemas.openxmlformats.org/officeDocument/2006/relationships" xmlns:p="http://schemas.openxmlformats.org/presentationml/2006/main">
+  <p:cSld>
+    <p:spTree>
+      <p:nvGrpSpPr>
+        <p:cNvPr id="1" name=""/>
+        <p:cNvGrpSpPr/>
+        <p:nvPr/>
+      </p:nvGrpSpPr>
+      <p:grpSpPr>
+        <a:xfrm>
+          <a:off x="0" y="0"/>
+          <a:ext cx="0" cy="0"/>
+          <a:chOff x="0" y="0"/>
+          <a:chExt cx="0" cy="0"/>
+        </a:xfrm>
+      </p:grpSpPr>
+      <p:sp>
+        <p:nvSpPr>
           <p:cNvPr id="6" name="Text Placeholder 5">
             <a:extLst>
               <a:ext uri="{FF2B5EF4-FFF2-40B4-BE49-F238E27FC236}">
@@ -12371,7 +12633,7 @@
           <a:graphicData uri="http://schemas.openxmlformats.org/presentationml/2006/ole">
             <mc:AlternateContent xmlns:mc="http://schemas.openxmlformats.org/markup-compatibility/2006">
               <mc:Choice xmlns:v="urn:schemas-microsoft-com:vml" Requires="v">
-                <p:oleObj spid="_x0000_s1071" name="Photo Editor Photo" r:id="rId11" imgW="4762913" imgH="4046571" progId="MSPhotoEd.3">
+                <p:oleObj spid="_x0000_s1073" name="Photo Editor Photo" r:id="rId11" imgW="4762913" imgH="4046571" progId="MSPhotoEd.3">
                   <p:embed/>
                 </p:oleObj>
               </mc:Choice>
